--- a/Dokumenter og præsentation/Mario’s PizzaBar.pptx
+++ b/Dokumenter og præsentation/Mario’s PizzaBar.pptx
@@ -9,6 +9,7 @@
     <p:sldId id="257" r:id="rId3"/>
     <p:sldId id="260" r:id="rId4"/>
     <p:sldId id="261" r:id="rId5"/>
+    <p:sldId id="262" r:id="rId6"/>
   </p:sldIdLst>
   <p:sldSz cx="12192000" cy="6858000"/>
   <p:notesSz cx="6858000" cy="9144000"/>
@@ -246,7 +247,7 @@
           <a:p>
             <a:fld id="{BE7058B1-1F87-4484-B760-EC0DCF70A045}" type="datetimeFigureOut">
               <a:rPr lang="en-GB" smtClean="0"/>
-              <a:t>26/04/2021</a:t>
+              <a:t>03/05/2021</a:t>
             </a:fld>
             <a:endParaRPr lang="en-GB"/>
           </a:p>
@@ -288,7 +289,7 @@
           <a:p>
             <a:fld id="{9BF713C5-363A-4F75-98E5-3798C75B459F}" type="slidenum">
               <a:rPr lang="en-GB" smtClean="0"/>
-              <a:t>‹#›</a:t>
+              <a:t>‹nr.›</a:t>
             </a:fld>
             <a:endParaRPr lang="en-GB"/>
           </a:p>
@@ -416,7 +417,7 @@
           <a:p>
             <a:fld id="{BE7058B1-1F87-4484-B760-EC0DCF70A045}" type="datetimeFigureOut">
               <a:rPr lang="en-GB" smtClean="0"/>
-              <a:t>26/04/2021</a:t>
+              <a:t>03/05/2021</a:t>
             </a:fld>
             <a:endParaRPr lang="en-GB"/>
           </a:p>
@@ -458,7 +459,7 @@
           <a:p>
             <a:fld id="{9BF713C5-363A-4F75-98E5-3798C75B459F}" type="slidenum">
               <a:rPr lang="en-GB" smtClean="0"/>
-              <a:t>‹#›</a:t>
+              <a:t>‹nr.›</a:t>
             </a:fld>
             <a:endParaRPr lang="en-GB"/>
           </a:p>
@@ -596,7 +597,7 @@
           <a:p>
             <a:fld id="{BE7058B1-1F87-4484-B760-EC0DCF70A045}" type="datetimeFigureOut">
               <a:rPr lang="en-GB" smtClean="0"/>
-              <a:t>26/04/2021</a:t>
+              <a:t>03/05/2021</a:t>
             </a:fld>
             <a:endParaRPr lang="en-GB"/>
           </a:p>
@@ -638,7 +639,7 @@
           <a:p>
             <a:fld id="{9BF713C5-363A-4F75-98E5-3798C75B459F}" type="slidenum">
               <a:rPr lang="en-GB" smtClean="0"/>
-              <a:t>‹#›</a:t>
+              <a:t>‹nr.›</a:t>
             </a:fld>
             <a:endParaRPr lang="en-GB"/>
           </a:p>
@@ -766,7 +767,7 @@
           <a:p>
             <a:fld id="{BE7058B1-1F87-4484-B760-EC0DCF70A045}" type="datetimeFigureOut">
               <a:rPr lang="en-GB" smtClean="0"/>
-              <a:t>26/04/2021</a:t>
+              <a:t>03/05/2021</a:t>
             </a:fld>
             <a:endParaRPr lang="en-GB"/>
           </a:p>
@@ -808,7 +809,7 @@
           <a:p>
             <a:fld id="{9BF713C5-363A-4F75-98E5-3798C75B459F}" type="slidenum">
               <a:rPr lang="en-GB" smtClean="0"/>
-              <a:t>‹#›</a:t>
+              <a:t>‹nr.›</a:t>
             </a:fld>
             <a:endParaRPr lang="en-GB"/>
           </a:p>
@@ -1012,7 +1013,7 @@
           <a:p>
             <a:fld id="{BE7058B1-1F87-4484-B760-EC0DCF70A045}" type="datetimeFigureOut">
               <a:rPr lang="en-GB" smtClean="0"/>
-              <a:t>26/04/2021</a:t>
+              <a:t>03/05/2021</a:t>
             </a:fld>
             <a:endParaRPr lang="en-GB"/>
           </a:p>
@@ -1054,7 +1055,7 @@
           <a:p>
             <a:fld id="{9BF713C5-363A-4F75-98E5-3798C75B459F}" type="slidenum">
               <a:rPr lang="en-GB" smtClean="0"/>
-              <a:t>‹#›</a:t>
+              <a:t>‹nr.›</a:t>
             </a:fld>
             <a:endParaRPr lang="en-GB"/>
           </a:p>
@@ -1244,7 +1245,7 @@
           <a:p>
             <a:fld id="{BE7058B1-1F87-4484-B760-EC0DCF70A045}" type="datetimeFigureOut">
               <a:rPr lang="en-GB" smtClean="0"/>
-              <a:t>26/04/2021</a:t>
+              <a:t>03/05/2021</a:t>
             </a:fld>
             <a:endParaRPr lang="en-GB"/>
           </a:p>
@@ -1286,7 +1287,7 @@
           <a:p>
             <a:fld id="{9BF713C5-363A-4F75-98E5-3798C75B459F}" type="slidenum">
               <a:rPr lang="en-GB" smtClean="0"/>
-              <a:t>‹#›</a:t>
+              <a:t>‹nr.›</a:t>
             </a:fld>
             <a:endParaRPr lang="en-GB"/>
           </a:p>
@@ -1611,7 +1612,7 @@
           <a:p>
             <a:fld id="{BE7058B1-1F87-4484-B760-EC0DCF70A045}" type="datetimeFigureOut">
               <a:rPr lang="en-GB" smtClean="0"/>
-              <a:t>26/04/2021</a:t>
+              <a:t>03/05/2021</a:t>
             </a:fld>
             <a:endParaRPr lang="en-GB"/>
           </a:p>
@@ -1653,7 +1654,7 @@
           <a:p>
             <a:fld id="{9BF713C5-363A-4F75-98E5-3798C75B459F}" type="slidenum">
               <a:rPr lang="en-GB" smtClean="0"/>
-              <a:t>‹#›</a:t>
+              <a:t>‹nr.›</a:t>
             </a:fld>
             <a:endParaRPr lang="en-GB"/>
           </a:p>
@@ -1729,7 +1730,7 @@
           <a:p>
             <a:fld id="{BE7058B1-1F87-4484-B760-EC0DCF70A045}" type="datetimeFigureOut">
               <a:rPr lang="en-GB" smtClean="0"/>
-              <a:t>26/04/2021</a:t>
+              <a:t>03/05/2021</a:t>
             </a:fld>
             <a:endParaRPr lang="en-GB"/>
           </a:p>
@@ -1771,7 +1772,7 @@
           <a:p>
             <a:fld id="{9BF713C5-363A-4F75-98E5-3798C75B459F}" type="slidenum">
               <a:rPr lang="en-GB" smtClean="0"/>
-              <a:t>‹#›</a:t>
+              <a:t>‹nr.›</a:t>
             </a:fld>
             <a:endParaRPr lang="en-GB"/>
           </a:p>
@@ -1824,7 +1825,7 @@
           <a:p>
             <a:fld id="{BE7058B1-1F87-4484-B760-EC0DCF70A045}" type="datetimeFigureOut">
               <a:rPr lang="en-GB" smtClean="0"/>
-              <a:t>26/04/2021</a:t>
+              <a:t>03/05/2021</a:t>
             </a:fld>
             <a:endParaRPr lang="en-GB"/>
           </a:p>
@@ -1866,7 +1867,7 @@
           <a:p>
             <a:fld id="{9BF713C5-363A-4F75-98E5-3798C75B459F}" type="slidenum">
               <a:rPr lang="en-GB" smtClean="0"/>
-              <a:t>‹#›</a:t>
+              <a:t>‹nr.›</a:t>
             </a:fld>
             <a:endParaRPr lang="en-GB"/>
           </a:p>
@@ -2101,7 +2102,7 @@
           <a:p>
             <a:fld id="{BE7058B1-1F87-4484-B760-EC0DCF70A045}" type="datetimeFigureOut">
               <a:rPr lang="en-GB" smtClean="0"/>
-              <a:t>26/04/2021</a:t>
+              <a:t>03/05/2021</a:t>
             </a:fld>
             <a:endParaRPr lang="en-GB"/>
           </a:p>
@@ -2143,7 +2144,7 @@
           <a:p>
             <a:fld id="{9BF713C5-363A-4F75-98E5-3798C75B459F}" type="slidenum">
               <a:rPr lang="en-GB" smtClean="0"/>
-              <a:t>‹#›</a:t>
+              <a:t>‹nr.›</a:t>
             </a:fld>
             <a:endParaRPr lang="en-GB"/>
           </a:p>
@@ -2354,7 +2355,7 @@
           <a:p>
             <a:fld id="{BE7058B1-1F87-4484-B760-EC0DCF70A045}" type="datetimeFigureOut">
               <a:rPr lang="en-GB" smtClean="0"/>
-              <a:t>26/04/2021</a:t>
+              <a:t>03/05/2021</a:t>
             </a:fld>
             <a:endParaRPr lang="en-GB"/>
           </a:p>
@@ -2396,7 +2397,7 @@
           <a:p>
             <a:fld id="{9BF713C5-363A-4F75-98E5-3798C75B459F}" type="slidenum">
               <a:rPr lang="en-GB" smtClean="0"/>
-              <a:t>‹#›</a:t>
+              <a:t>‹nr.›</a:t>
             </a:fld>
             <a:endParaRPr lang="en-GB"/>
           </a:p>
@@ -2567,7 +2568,7 @@
           <a:p>
             <a:fld id="{BE7058B1-1F87-4484-B760-EC0DCF70A045}" type="datetimeFigureOut">
               <a:rPr lang="en-GB" smtClean="0"/>
-              <a:t>26/04/2021</a:t>
+              <a:t>03/05/2021</a:t>
             </a:fld>
             <a:endParaRPr lang="en-GB"/>
           </a:p>
@@ -2645,7 +2646,7 @@
           <a:p>
             <a:fld id="{9BF713C5-363A-4F75-98E5-3798C75B459F}" type="slidenum">
               <a:rPr lang="en-GB" smtClean="0"/>
-              <a:t>‹#›</a:t>
+              <a:t>‹nr.›</a:t>
             </a:fld>
             <a:endParaRPr lang="en-GB"/>
           </a:p>
@@ -4838,6 +4839,130 @@
 </p:sld>
 </file>
 
+<file path=ppt/slides/slide5.xml><?xml version="1.0" encoding="utf-8"?>
+<p:sld xmlns:a="http://schemas.openxmlformats.org/drawingml/2006/main" xmlns:r="http://schemas.openxmlformats.org/officeDocument/2006/relationships" xmlns:p="http://schemas.openxmlformats.org/presentationml/2006/main">
+  <p:cSld>
+    <p:spTree>
+      <p:nvGrpSpPr>
+        <p:cNvPr id="1" name=""/>
+        <p:cNvGrpSpPr/>
+        <p:nvPr/>
+      </p:nvGrpSpPr>
+      <p:grpSpPr>
+        <a:xfrm>
+          <a:off x="0" y="0"/>
+          <a:ext cx="0" cy="0"/>
+          <a:chOff x="0" y="0"/>
+          <a:chExt cx="0" cy="0"/>
+        </a:xfrm>
+      </p:grpSpPr>
+      <p:sp>
+        <p:nvSpPr>
+          <p:cNvPr id="2" name="Titel 1">
+            <a:extLst>
+              <a:ext uri="{FF2B5EF4-FFF2-40B4-BE49-F238E27FC236}">
+                <a16:creationId xmlns:a16="http://schemas.microsoft.com/office/drawing/2014/main" id="{F5F59C7C-5F45-4A59-8EC9-78D1D3B827A2}"/>
+              </a:ext>
+            </a:extLst>
+          </p:cNvPr>
+          <p:cNvSpPr>
+            <a:spLocks noGrp="1"/>
+          </p:cNvSpPr>
+          <p:nvPr>
+            <p:ph type="title"/>
+          </p:nvPr>
+        </p:nvSpPr>
+        <p:spPr/>
+        <p:txBody>
+          <a:bodyPr/>
+          <a:lstStyle/>
+          <a:p>
+            <a:r>
+              <a:rPr lang="en-US" b="1" dirty="0"/>
+              <a:t>			</a:t>
+            </a:r>
+            <a:r>
+              <a:rPr lang="en-US" b="1" dirty="0" err="1"/>
+              <a:t>Produkt</a:t>
+            </a:r>
+            <a:r>
+              <a:rPr lang="en-US" b="1" dirty="0"/>
+              <a:t> der over 10! </a:t>
+            </a:r>
+          </a:p>
+        </p:txBody>
+      </p:sp>
+      <p:pic>
+        <p:nvPicPr>
+          <p:cNvPr id="11" name="Billede 10">
+            <a:extLst>
+              <a:ext uri="{FF2B5EF4-FFF2-40B4-BE49-F238E27FC236}">
+                <a16:creationId xmlns:a16="http://schemas.microsoft.com/office/drawing/2014/main" id="{02FA250B-A09C-46AD-8945-32CE029A13BA}"/>
+              </a:ext>
+            </a:extLst>
+          </p:cNvPr>
+          <p:cNvPicPr>
+            <a:picLocks noChangeAspect="1"/>
+          </p:cNvPicPr>
+          <p:nvPr/>
+        </p:nvPicPr>
+        <p:blipFill rotWithShape="1">
+          <a:blip r:embed="rId2"/>
+          <a:srcRect l="1181" b="37162"/>
+          <a:stretch/>
+        </p:blipFill>
+        <p:spPr>
+          <a:xfrm>
+            <a:off x="1239197" y="1459725"/>
+            <a:ext cx="9528878" cy="3938549"/>
+          </a:xfrm>
+          <a:prstGeom prst="rect">
+            <a:avLst/>
+          </a:prstGeom>
+        </p:spPr>
+      </p:pic>
+      <p:pic>
+        <p:nvPicPr>
+          <p:cNvPr id="12" name="Billede 11">
+            <a:extLst>
+              <a:ext uri="{FF2B5EF4-FFF2-40B4-BE49-F238E27FC236}">
+                <a16:creationId xmlns:a16="http://schemas.microsoft.com/office/drawing/2014/main" id="{7D1D7F2C-04B0-4E80-A27B-FAA581AC18C4}"/>
+              </a:ext>
+            </a:extLst>
+          </p:cNvPr>
+          <p:cNvPicPr>
+            <a:picLocks noChangeAspect="1"/>
+          </p:cNvPicPr>
+          <p:nvPr/>
+        </p:nvPicPr>
+        <p:blipFill rotWithShape="1">
+          <a:blip r:embed="rId2"/>
+          <a:srcRect t="76577" b="7418"/>
+          <a:stretch/>
+        </p:blipFill>
+        <p:spPr>
+          <a:xfrm>
+            <a:off x="1125311" y="5370992"/>
+            <a:ext cx="9642764" cy="1003178"/>
+          </a:xfrm>
+          <a:prstGeom prst="rect">
+            <a:avLst/>
+          </a:prstGeom>
+        </p:spPr>
+      </p:pic>
+    </p:spTree>
+    <p:extLst>
+      <p:ext uri="{BB962C8B-B14F-4D97-AF65-F5344CB8AC3E}">
+        <p14:creationId xmlns:p14="http://schemas.microsoft.com/office/powerpoint/2010/main" val="808499107"/>
+      </p:ext>
+    </p:extLst>
+  </p:cSld>
+  <p:clrMapOvr>
+    <a:masterClrMapping/>
+  </p:clrMapOvr>
+</p:sld>
+</file>
+
 <file path=ppt/theme/theme1.xml><?xml version="1.0" encoding="utf-8"?>
 <a:theme xmlns:a="http://schemas.openxmlformats.org/drawingml/2006/main" name="Office-tema">
   <a:themeElements>
